--- a/Consulta entre varias bases de datos en MySQL.pptx
+++ b/Consulta entre varias bases de datos en MySQL.pptx
@@ -112,6 +112,11 @@
       </a:defRPr>
     </a:lvl9pPr>
   </p:defaultTextStyle>
+  <p:extLst>
+    <p:ext uri="{EFAFB233-063F-42B5-8137-9DF3F51BA10A}">
+      <p15:sldGuideLst xmlns:p15="http://schemas.microsoft.com/office/powerpoint/2012/main"/>
+    </p:ext>
+  </p:extLst>
 </p:presentation>
 </file>
 
@@ -8998,7 +9003,11 @@
             <a:pPr algn="ctr"/>
             <a:r>
               <a:rPr lang="es-ES" b="1" dirty="0"/>
-              <a:t>INSERTAR DATOS EN LA TABLA CLIENTE DE VENTAS</a:t>
+              <a:t>INSERTAR DATOS EN LA TABLA CLIENTE </a:t>
+            </a:r>
+            <a:r>
+              <a:rPr lang="es-ES" b="1"/>
+              <a:t>DE PEDIDOS</a:t>
             </a:r>
             <a:endParaRPr lang="es-CO" dirty="0"/>
           </a:p>
